--- a/image/icon.pptx
+++ b/image/icon.pptx
@@ -6,6 +6,7 @@
   </p:sldMasterIdLst>
   <p:sldIdLst>
     <p:sldId id="256" r:id="rId2"/>
+    <p:sldId id="257" r:id="rId3"/>
   </p:sldIdLst>
   <p:sldSz cx="12192000" cy="6858000"/>
   <p:notesSz cx="6858000" cy="9144000"/>
@@ -3758,6 +3759,302 @@
 </p:sld>
 </file>
 
+<file path=ppt/slides/slide2.xml><?xml version="1.0" encoding="utf-8"?>
+<p:sld xmlns:a="http://schemas.openxmlformats.org/drawingml/2006/main" xmlns:r="http://schemas.openxmlformats.org/officeDocument/2006/relationships" xmlns:p="http://schemas.openxmlformats.org/presentationml/2006/main">
+  <p:cSld>
+    <p:spTree>
+      <p:nvGrpSpPr>
+        <p:cNvPr id="1" name=""/>
+        <p:cNvGrpSpPr/>
+        <p:nvPr/>
+      </p:nvGrpSpPr>
+      <p:grpSpPr>
+        <a:xfrm>
+          <a:off x="0" y="0"/>
+          <a:ext cx="0" cy="0"/>
+          <a:chOff x="0" y="0"/>
+          <a:chExt cx="0" cy="0"/>
+        </a:xfrm>
+      </p:grpSpPr>
+      <p:pic>
+        <p:nvPicPr>
+          <p:cNvPr id="5" name="그림 4" descr="그리기이(가) 표시된 사진&#10;&#10;자동 생성된 설명">
+            <a:extLst>
+              <a:ext uri="{FF2B5EF4-FFF2-40B4-BE49-F238E27FC236}">
+                <a16:creationId xmlns:a16="http://schemas.microsoft.com/office/drawing/2014/main" id="{759876D7-0339-4C71-B927-55129675A2F7}"/>
+              </a:ext>
+            </a:extLst>
+          </p:cNvPr>
+          <p:cNvPicPr>
+            <a:picLocks noChangeAspect="1"/>
+          </p:cNvPicPr>
+          <p:nvPr/>
+        </p:nvPicPr>
+        <p:blipFill rotWithShape="1">
+          <a:blip r:embed="rId2">
+            <a:extLst>
+              <a:ext uri="{28A0092B-C50C-407E-A947-70E740481C1C}">
+                <a14:useLocalDpi xmlns:a14="http://schemas.microsoft.com/office/drawing/2010/main" val="0"/>
+              </a:ext>
+            </a:extLst>
+          </a:blip>
+          <a:srcRect b="5427"/>
+          <a:stretch/>
+        </p:blipFill>
+        <p:spPr>
+          <a:xfrm>
+            <a:off x="1932708" y="1416999"/>
+            <a:ext cx="1613268" cy="1549753"/>
+          </a:xfrm>
+          <a:prstGeom prst="rect">
+            <a:avLst/>
+          </a:prstGeom>
+        </p:spPr>
+      </p:pic>
+      <p:pic>
+        <p:nvPicPr>
+          <p:cNvPr id="7" name="그림 6" descr="그리기이(가) 표시된 사진&#10;&#10;자동 생성된 설명">
+            <a:extLst>
+              <a:ext uri="{FF2B5EF4-FFF2-40B4-BE49-F238E27FC236}">
+                <a16:creationId xmlns:a16="http://schemas.microsoft.com/office/drawing/2014/main" id="{F3BC5848-E9F7-4AFF-8DED-B056893B818F}"/>
+              </a:ext>
+            </a:extLst>
+          </p:cNvPr>
+          <p:cNvPicPr>
+            <a:picLocks noChangeAspect="1"/>
+          </p:cNvPicPr>
+          <p:nvPr/>
+        </p:nvPicPr>
+        <p:blipFill>
+          <a:blip r:embed="rId3">
+            <a:extLst>
+              <a:ext uri="{28A0092B-C50C-407E-A947-70E740481C1C}">
+                <a14:useLocalDpi xmlns:a14="http://schemas.microsoft.com/office/drawing/2010/main" val="0"/>
+              </a:ext>
+            </a:extLst>
+          </a:blip>
+          <a:stretch>
+            <a:fillRect/>
+          </a:stretch>
+        </p:blipFill>
+        <p:spPr>
+          <a:xfrm>
+            <a:off x="8282574" y="1957771"/>
+            <a:ext cx="529732" cy="557132"/>
+          </a:xfrm>
+          <a:prstGeom prst="rect">
+            <a:avLst/>
+          </a:prstGeom>
+        </p:spPr>
+      </p:pic>
+      <p:pic>
+        <p:nvPicPr>
+          <p:cNvPr id="9" name="그림 8" descr="그리기이(가) 표시된 사진&#10;&#10;자동 생성된 설명">
+            <a:extLst>
+              <a:ext uri="{FF2B5EF4-FFF2-40B4-BE49-F238E27FC236}">
+                <a16:creationId xmlns:a16="http://schemas.microsoft.com/office/drawing/2014/main" id="{A5A83EF9-01A7-4A41-B62A-1A6753456B21}"/>
+              </a:ext>
+            </a:extLst>
+          </p:cNvPr>
+          <p:cNvPicPr>
+            <a:picLocks noChangeAspect="1"/>
+          </p:cNvPicPr>
+          <p:nvPr/>
+        </p:nvPicPr>
+        <p:blipFill>
+          <a:blip r:embed="rId4">
+            <a:extLst>
+              <a:ext uri="{28A0092B-C50C-407E-A947-70E740481C1C}">
+                <a14:useLocalDpi xmlns:a14="http://schemas.microsoft.com/office/drawing/2010/main" val="0"/>
+              </a:ext>
+            </a:extLst>
+          </a:blip>
+          <a:stretch>
+            <a:fillRect/>
+          </a:stretch>
+        </p:blipFill>
+        <p:spPr>
+          <a:xfrm>
+            <a:off x="6900572" y="1933362"/>
+            <a:ext cx="520598" cy="529732"/>
+          </a:xfrm>
+          <a:prstGeom prst="rect">
+            <a:avLst/>
+          </a:prstGeom>
+        </p:spPr>
+      </p:pic>
+      <p:sp>
+        <p:nvSpPr>
+          <p:cNvPr id="10" name="TextBox 9">
+            <a:extLst>
+              <a:ext uri="{FF2B5EF4-FFF2-40B4-BE49-F238E27FC236}">
+                <a16:creationId xmlns:a16="http://schemas.microsoft.com/office/drawing/2014/main" id="{86A531CC-D5EF-42D8-A5C5-BC85D73F7357}"/>
+              </a:ext>
+            </a:extLst>
+          </p:cNvPr>
+          <p:cNvSpPr txBox="1"/>
+          <p:nvPr/>
+        </p:nvSpPr>
+        <p:spPr>
+          <a:xfrm>
+            <a:off x="6096000" y="1033838"/>
+            <a:ext cx="1609344" cy="169277"/>
+          </a:xfrm>
+          <a:prstGeom prst="rect">
+            <a:avLst/>
+          </a:prstGeom>
+          <a:noFill/>
+        </p:spPr>
+        <p:txBody>
+          <a:bodyPr wrap="square" rtlCol="0">
+            <a:spAutoFit/>
+          </a:bodyPr>
+          <a:lstStyle/>
+          <a:p>
+            <a:r>
+              <a:rPr lang="ko-KR" altLang="en-US" sz="500" b="1" dirty="0">
+                <a:solidFill>
+                  <a:srgbClr val="6B460F"/>
+                </a:solidFill>
+                <a:latin typeface="맑은 고딕" panose="020B0503020000020004" pitchFamily="50" charset="-127"/>
+                <a:ea typeface="맑은 고딕" panose="020B0503020000020004" pitchFamily="50" charset="-127"/>
+              </a:rPr>
+              <a:t>뒤로 가기</a:t>
+            </a:r>
+            <a:endParaRPr lang="ko-KR" altLang="en-US" sz="800" b="1" dirty="0">
+              <a:solidFill>
+                <a:srgbClr val="6B460F"/>
+              </a:solidFill>
+              <a:latin typeface="맑은 고딕" panose="020B0503020000020004" pitchFamily="50" charset="-127"/>
+              <a:ea typeface="맑은 고딕" panose="020B0503020000020004" pitchFamily="50" charset="-127"/>
+            </a:endParaRPr>
+          </a:p>
+        </p:txBody>
+      </p:sp>
+      <p:sp>
+        <p:nvSpPr>
+          <p:cNvPr id="11" name="TextBox 10">
+            <a:extLst>
+              <a:ext uri="{FF2B5EF4-FFF2-40B4-BE49-F238E27FC236}">
+                <a16:creationId xmlns:a16="http://schemas.microsoft.com/office/drawing/2014/main" id="{4C26E170-B0D8-402D-9F8C-92DAD8647A86}"/>
+              </a:ext>
+            </a:extLst>
+          </p:cNvPr>
+          <p:cNvSpPr txBox="1"/>
+          <p:nvPr/>
+        </p:nvSpPr>
+        <p:spPr>
+          <a:xfrm>
+            <a:off x="4709431" y="995729"/>
+            <a:ext cx="709913" cy="169277"/>
+          </a:xfrm>
+          <a:prstGeom prst="rect">
+            <a:avLst/>
+          </a:prstGeom>
+          <a:noFill/>
+        </p:spPr>
+        <p:txBody>
+          <a:bodyPr wrap="square" rtlCol="0">
+            <a:spAutoFit/>
+          </a:bodyPr>
+          <a:lstStyle/>
+          <a:p>
+            <a:r>
+              <a:rPr lang="ko-KR" altLang="en-US" sz="500" b="1" dirty="0">
+                <a:solidFill>
+                  <a:srgbClr val="6B460F"/>
+                </a:solidFill>
+              </a:rPr>
+              <a:t>계속</a:t>
+            </a:r>
+          </a:p>
+        </p:txBody>
+      </p:sp>
+      <p:pic>
+        <p:nvPicPr>
+          <p:cNvPr id="12" name="그림 11" descr="그리기이(가) 표시된 사진&#10;&#10;자동 생성된 설명">
+            <a:extLst>
+              <a:ext uri="{FF2B5EF4-FFF2-40B4-BE49-F238E27FC236}">
+                <a16:creationId xmlns:a16="http://schemas.microsoft.com/office/drawing/2014/main" id="{6D7B89A3-600C-4506-A02F-4DF7C0151D3A}"/>
+              </a:ext>
+            </a:extLst>
+          </p:cNvPr>
+          <p:cNvPicPr>
+            <a:picLocks noChangeAspect="1"/>
+          </p:cNvPicPr>
+          <p:nvPr/>
+        </p:nvPicPr>
+        <p:blipFill>
+          <a:blip r:embed="rId3">
+            <a:extLst>
+              <a:ext uri="{28A0092B-C50C-407E-A947-70E740481C1C}">
+                <a14:useLocalDpi xmlns:a14="http://schemas.microsoft.com/office/drawing/2010/main" val="0"/>
+              </a:ext>
+            </a:extLst>
+          </a:blip>
+          <a:stretch>
+            <a:fillRect/>
+          </a:stretch>
+        </p:blipFill>
+        <p:spPr>
+          <a:xfrm>
+            <a:off x="6033700" y="1052954"/>
+            <a:ext cx="124600" cy="131046"/>
+          </a:xfrm>
+          <a:prstGeom prst="rect">
+            <a:avLst/>
+          </a:prstGeom>
+        </p:spPr>
+      </p:pic>
+      <p:pic>
+        <p:nvPicPr>
+          <p:cNvPr id="13" name="그림 12" descr="그리기이(가) 표시된 사진&#10;&#10;자동 생성된 설명">
+            <a:extLst>
+              <a:ext uri="{FF2B5EF4-FFF2-40B4-BE49-F238E27FC236}">
+                <a16:creationId xmlns:a16="http://schemas.microsoft.com/office/drawing/2014/main" id="{3C561BEA-C2C3-44C7-8893-3FBB374AD0E3}"/>
+              </a:ext>
+            </a:extLst>
+          </p:cNvPr>
+          <p:cNvPicPr>
+            <a:picLocks noChangeAspect="1"/>
+          </p:cNvPicPr>
+          <p:nvPr/>
+        </p:nvPicPr>
+        <p:blipFill>
+          <a:blip r:embed="rId4">
+            <a:extLst>
+              <a:ext uri="{28A0092B-C50C-407E-A947-70E740481C1C}">
+                <a14:useLocalDpi xmlns:a14="http://schemas.microsoft.com/office/drawing/2010/main" val="0"/>
+              </a:ext>
+            </a:extLst>
+          </a:blip>
+          <a:stretch>
+            <a:fillRect/>
+          </a:stretch>
+        </p:blipFill>
+        <p:spPr>
+          <a:xfrm>
+            <a:off x="4648205" y="1018068"/>
+            <a:ext cx="122452" cy="124600"/>
+          </a:xfrm>
+          <a:prstGeom prst="rect">
+            <a:avLst/>
+          </a:prstGeom>
+        </p:spPr>
+      </p:pic>
+    </p:spTree>
+    <p:extLst>
+      <p:ext uri="{BB962C8B-B14F-4D97-AF65-F5344CB8AC3E}">
+        <p14:creationId xmlns:p14="http://schemas.microsoft.com/office/powerpoint/2010/main" val="1819070445"/>
+      </p:ext>
+    </p:extLst>
+  </p:cSld>
+  <p:clrMapOvr>
+    <a:masterClrMapping/>
+  </p:clrMapOvr>
+</p:sld>
+</file>
+
 <file path=ppt/theme/theme1.xml><?xml version="1.0" encoding="utf-8"?>
 <a:theme xmlns:a="http://schemas.openxmlformats.org/drawingml/2006/main" name="Office 테마">
   <a:themeElements>
